--- a/Media/Final.pptx
+++ b/Media/Final.pptx
@@ -8,13 +8,14 @@
     <p:sldId id="256" r:id="rId2"/>
     <p:sldId id="259" r:id="rId3"/>
     <p:sldId id="267" r:id="rId4"/>
-    <p:sldId id="260" r:id="rId5"/>
-    <p:sldId id="270" r:id="rId6"/>
-    <p:sldId id="269" r:id="rId7"/>
-    <p:sldId id="272" r:id="rId8"/>
-    <p:sldId id="271" r:id="rId9"/>
-    <p:sldId id="274" r:id="rId10"/>
-    <p:sldId id="273" r:id="rId11"/>
+    <p:sldId id="275" r:id="rId5"/>
+    <p:sldId id="260" r:id="rId6"/>
+    <p:sldId id="270" r:id="rId7"/>
+    <p:sldId id="269" r:id="rId8"/>
+    <p:sldId id="272" r:id="rId9"/>
+    <p:sldId id="271" r:id="rId10"/>
+    <p:sldId id="274" r:id="rId11"/>
+    <p:sldId id="273" r:id="rId12"/>
   </p:sldIdLst>
   <p:sldSz cx="12192000" cy="6858000"/>
   <p:notesSz cx="6858000" cy="9144000"/>
@@ -309,7 +310,7 @@
           <a:p>
             <a:fld id="{D7B344BE-841E-497F-9C86-FF80A50FB1E8}" type="datetimeFigureOut">
               <a:rPr lang="en-US" smtClean="0"/>
-              <a:t>31-Jan-23</a:t>
+              <a:t>02-Feb-23</a:t>
             </a:fld>
             <a:endParaRPr lang="en-US"/>
           </a:p>
@@ -647,7 +648,7 @@
           <a:p>
             <a:fld id="{D7B344BE-841E-497F-9C86-FF80A50FB1E8}" type="datetimeFigureOut">
               <a:rPr lang="en-US" smtClean="0"/>
-              <a:t>31-Jan-23</a:t>
+              <a:t>02-Feb-23</a:t>
             </a:fld>
             <a:endParaRPr lang="en-US"/>
           </a:p>
@@ -1048,7 +1049,7 @@
           <a:p>
             <a:fld id="{D7B344BE-841E-497F-9C86-FF80A50FB1E8}" type="datetimeFigureOut">
               <a:rPr lang="en-US" smtClean="0"/>
-              <a:t>31-Jan-23</a:t>
+              <a:t>02-Feb-23</a:t>
             </a:fld>
             <a:endParaRPr lang="en-US"/>
           </a:p>
@@ -1384,7 +1385,7 @@
           <a:p>
             <a:fld id="{D7B344BE-841E-497F-9C86-FF80A50FB1E8}" type="datetimeFigureOut">
               <a:rPr lang="en-US" smtClean="0"/>
-              <a:t>31-Jan-23</a:t>
+              <a:t>02-Feb-23</a:t>
             </a:fld>
             <a:endParaRPr lang="en-US"/>
           </a:p>
@@ -1704,7 +1705,7 @@
           <a:p>
             <a:fld id="{D7B344BE-841E-497F-9C86-FF80A50FB1E8}" type="datetimeFigureOut">
               <a:rPr lang="en-US" smtClean="0"/>
-              <a:t>31-Jan-23</a:t>
+              <a:t>02-Feb-23</a:t>
             </a:fld>
             <a:endParaRPr lang="en-US"/>
           </a:p>
@@ -2100,7 +2101,7 @@
           <a:p>
             <a:fld id="{D7B344BE-841E-497F-9C86-FF80A50FB1E8}" type="datetimeFigureOut">
               <a:rPr lang="en-US" smtClean="0"/>
-              <a:t>31-Jan-23</a:t>
+              <a:t>02-Feb-23</a:t>
             </a:fld>
             <a:endParaRPr lang="en-US"/>
           </a:p>
@@ -2357,7 +2358,7 @@
           <a:p>
             <a:fld id="{D7B344BE-841E-497F-9C86-FF80A50FB1E8}" type="datetimeFigureOut">
               <a:rPr lang="en-US" smtClean="0"/>
-              <a:t>31-Jan-23</a:t>
+              <a:t>02-Feb-23</a:t>
             </a:fld>
             <a:endParaRPr lang="en-US"/>
           </a:p>
@@ -2619,7 +2620,7 @@
           <a:p>
             <a:fld id="{D7B344BE-841E-497F-9C86-FF80A50FB1E8}" type="datetimeFigureOut">
               <a:rPr lang="en-US" smtClean="0"/>
-              <a:t>31-Jan-23</a:t>
+              <a:t>02-Feb-23</a:t>
             </a:fld>
             <a:endParaRPr lang="en-US"/>
           </a:p>
@@ -2881,7 +2882,7 @@
           <a:p>
             <a:fld id="{D7B344BE-841E-497F-9C86-FF80A50FB1E8}" type="datetimeFigureOut">
               <a:rPr lang="en-US" smtClean="0"/>
-              <a:t>31-Jan-23</a:t>
+              <a:t>02-Feb-23</a:t>
             </a:fld>
             <a:endParaRPr lang="en-US"/>
           </a:p>
@@ -3210,7 +3211,7 @@
           <a:p>
             <a:fld id="{D7B344BE-841E-497F-9C86-FF80A50FB1E8}" type="datetimeFigureOut">
               <a:rPr lang="en-US" smtClean="0"/>
-              <a:t>31-Jan-23</a:t>
+              <a:t>02-Feb-23</a:t>
             </a:fld>
             <a:endParaRPr lang="en-US"/>
           </a:p>
@@ -3533,7 +3534,7 @@
           <a:p>
             <a:fld id="{D7B344BE-841E-497F-9C86-FF80A50FB1E8}" type="datetimeFigureOut">
               <a:rPr lang="en-US" smtClean="0"/>
-              <a:t>31-Jan-23</a:t>
+              <a:t>02-Feb-23</a:t>
             </a:fld>
             <a:endParaRPr lang="en-US"/>
           </a:p>
@@ -3990,7 +3991,7 @@
           <a:p>
             <a:fld id="{D7B344BE-841E-497F-9C86-FF80A50FB1E8}" type="datetimeFigureOut">
               <a:rPr lang="en-US" smtClean="0"/>
-              <a:t>31-Jan-23</a:t>
+              <a:t>02-Feb-23</a:t>
             </a:fld>
             <a:endParaRPr lang="en-US"/>
           </a:p>
@@ -4195,7 +4196,7 @@
           <a:p>
             <a:fld id="{D7B344BE-841E-497F-9C86-FF80A50FB1E8}" type="datetimeFigureOut">
               <a:rPr lang="en-US" smtClean="0"/>
-              <a:t>31-Jan-23</a:t>
+              <a:t>02-Feb-23</a:t>
             </a:fld>
             <a:endParaRPr lang="en-US"/>
           </a:p>
@@ -4372,7 +4373,7 @@
           <a:p>
             <a:fld id="{D7B344BE-841E-497F-9C86-FF80A50FB1E8}" type="datetimeFigureOut">
               <a:rPr lang="en-US" smtClean="0"/>
-              <a:t>31-Jan-23</a:t>
+              <a:t>02-Feb-23</a:t>
             </a:fld>
             <a:endParaRPr lang="en-US"/>
           </a:p>
@@ -4705,7 +4706,7 @@
           <a:p>
             <a:fld id="{D7B344BE-841E-497F-9C86-FF80A50FB1E8}" type="datetimeFigureOut">
               <a:rPr lang="en-US" smtClean="0"/>
-              <a:t>31-Jan-23</a:t>
+              <a:t>02-Feb-23</a:t>
             </a:fld>
             <a:endParaRPr lang="en-US"/>
           </a:p>
@@ -5050,7 +5051,7 @@
           <a:p>
             <a:fld id="{D7B344BE-841E-497F-9C86-FF80A50FB1E8}" type="datetimeFigureOut">
               <a:rPr lang="en-US" smtClean="0"/>
-              <a:t>31-Jan-23</a:t>
+              <a:t>02-Feb-23</a:t>
             </a:fld>
             <a:endParaRPr lang="en-US"/>
           </a:p>
@@ -7167,7 +7168,7 @@
           <a:p>
             <a:fld id="{D7B344BE-841E-497F-9C86-FF80A50FB1E8}" type="datetimeFigureOut">
               <a:rPr lang="en-US" smtClean="0"/>
-              <a:t>31-Jan-23</a:t>
+              <a:t>02-Feb-23</a:t>
             </a:fld>
             <a:endParaRPr lang="en-US"/>
           </a:p>
@@ -7985,6 +7986,111 @@
           <p:cNvPr id="2" name="Title 1">
             <a:extLst>
               <a:ext uri="{FF2B5EF4-FFF2-40B4-BE49-F238E27FC236}">
+                <a16:creationId xmlns:a16="http://schemas.microsoft.com/office/drawing/2014/main" id="{6E6D11D7-1E39-D474-9305-66B2416152F4}"/>
+              </a:ext>
+            </a:extLst>
+          </p:cNvPr>
+          <p:cNvSpPr>
+            <a:spLocks noGrp="1"/>
+          </p:cNvSpPr>
+          <p:nvPr>
+            <p:ph type="title"/>
+          </p:nvPr>
+        </p:nvSpPr>
+        <p:spPr/>
+        <p:txBody>
+          <a:bodyPr/>
+          <a:lstStyle/>
+          <a:p>
+            <a:r>
+              <a:rPr lang="en-US" dirty="0"/>
+              <a:t>Conclusion</a:t>
+            </a:r>
+          </a:p>
+        </p:txBody>
+      </p:sp>
+      <p:sp>
+        <p:nvSpPr>
+          <p:cNvPr id="3" name="Content Placeholder 2">
+            <a:extLst>
+              <a:ext uri="{FF2B5EF4-FFF2-40B4-BE49-F238E27FC236}">
+                <a16:creationId xmlns:a16="http://schemas.microsoft.com/office/drawing/2014/main" id="{717ED00C-61E9-19B4-084F-BA577FD519DB}"/>
+              </a:ext>
+            </a:extLst>
+          </p:cNvPr>
+          <p:cNvSpPr>
+            <a:spLocks noGrp="1"/>
+          </p:cNvSpPr>
+          <p:nvPr>
+            <p:ph idx="1"/>
+          </p:nvPr>
+        </p:nvSpPr>
+        <p:spPr>
+          <a:xfrm>
+            <a:off x="2589212" y="2115065"/>
+            <a:ext cx="8915400" cy="3777622"/>
+          </a:xfrm>
+        </p:spPr>
+        <p:txBody>
+          <a:bodyPr/>
+          <a:lstStyle/>
+          <a:p>
+            <a:r>
+              <a:rPr lang="en-US" b="0" i="0" dirty="0">
+                <a:solidFill>
+                  <a:schemeClr val="tx1"/>
+                </a:solidFill>
+                <a:effectLst/>
+                <a:latin typeface="Söhne"/>
+              </a:rPr>
+              <a:t>Our results suggest that pretraining Siamese networks using contrastive learning, such as the Barlow Twins Loss, may be a promising approach for image similarity tasks.</a:t>
+            </a:r>
+            <a:endParaRPr lang="en-US" dirty="0">
+              <a:solidFill>
+                <a:schemeClr val="tx1"/>
+              </a:solidFill>
+            </a:endParaRPr>
+          </a:p>
+          <a:p>
+            <a:endParaRPr lang="en-US" dirty="0"/>
+          </a:p>
+        </p:txBody>
+      </p:sp>
+    </p:spTree>
+    <p:extLst>
+      <p:ext uri="{BB962C8B-B14F-4D97-AF65-F5344CB8AC3E}">
+        <p14:creationId xmlns:p14="http://schemas.microsoft.com/office/powerpoint/2010/main" val="1298008152"/>
+      </p:ext>
+    </p:extLst>
+  </p:cSld>
+  <p:clrMapOvr>
+    <a:masterClrMapping/>
+  </p:clrMapOvr>
+</p:sld>
+</file>
+
+<file path=ppt/slides/slide11.xml><?xml version="1.0" encoding="utf-8"?>
+<p:sld xmlns:a="http://schemas.openxmlformats.org/drawingml/2006/main" xmlns:r="http://schemas.openxmlformats.org/officeDocument/2006/relationships" xmlns:p="http://schemas.openxmlformats.org/presentationml/2006/main">
+  <p:cSld>
+    <p:spTree>
+      <p:nvGrpSpPr>
+        <p:cNvPr id="1" name=""/>
+        <p:cNvGrpSpPr/>
+        <p:nvPr/>
+      </p:nvGrpSpPr>
+      <p:grpSpPr>
+        <a:xfrm>
+          <a:off x="0" y="0"/>
+          <a:ext cx="0" cy="0"/>
+          <a:chOff x="0" y="0"/>
+          <a:chExt cx="0" cy="0"/>
+        </a:xfrm>
+      </p:grpSpPr>
+      <p:sp>
+        <p:nvSpPr>
+          <p:cNvPr id="2" name="Title 1">
+            <a:extLst>
+              <a:ext uri="{FF2B5EF4-FFF2-40B4-BE49-F238E27FC236}">
                 <a16:creationId xmlns:a16="http://schemas.microsoft.com/office/drawing/2014/main" id="{472EB9D5-4ABA-381D-688D-FF883925A1A2}"/>
               </a:ext>
             </a:extLst>
@@ -8287,6 +8393,98 @@
           <p:cNvPr id="2" name="Title 1">
             <a:extLst>
               <a:ext uri="{FF2B5EF4-FFF2-40B4-BE49-F238E27FC236}">
+                <a16:creationId xmlns:a16="http://schemas.microsoft.com/office/drawing/2014/main" id="{D6BCD7F3-93C9-6ACD-E191-0A42B1A9720E}"/>
+              </a:ext>
+            </a:extLst>
+          </p:cNvPr>
+          <p:cNvSpPr>
+            <a:spLocks noGrp="1"/>
+          </p:cNvSpPr>
+          <p:nvPr>
+            <p:ph type="title"/>
+          </p:nvPr>
+        </p:nvSpPr>
+        <p:spPr/>
+        <p:txBody>
+          <a:bodyPr/>
+          <a:lstStyle/>
+          <a:p>
+            <a:r>
+              <a:rPr lang="en-US" dirty="0"/>
+              <a:t>Evaluation</a:t>
+            </a:r>
+          </a:p>
+        </p:txBody>
+      </p:sp>
+      <p:sp>
+        <p:nvSpPr>
+          <p:cNvPr id="3" name="Content Placeholder 2">
+            <a:extLst>
+              <a:ext uri="{FF2B5EF4-FFF2-40B4-BE49-F238E27FC236}">
+                <a16:creationId xmlns:a16="http://schemas.microsoft.com/office/drawing/2014/main" id="{8209AA8B-6F90-D8D6-F474-94216ECD43DE}"/>
+              </a:ext>
+            </a:extLst>
+          </p:cNvPr>
+          <p:cNvSpPr>
+            <a:spLocks noGrp="1"/>
+          </p:cNvSpPr>
+          <p:nvPr>
+            <p:ph idx="1"/>
+          </p:nvPr>
+        </p:nvSpPr>
+        <p:spPr/>
+        <p:txBody>
+          <a:bodyPr/>
+          <a:lstStyle/>
+          <a:p>
+            <a:r>
+              <a:rPr lang="en-US" dirty="0"/>
+              <a:t>Split train/test (1000/330)</a:t>
+            </a:r>
+          </a:p>
+          <a:p>
+            <a:r>
+              <a:rPr lang="en-US" dirty="0"/>
+              <a:t>Top-K: for a given image, find the top k closest images in the test dataset.</a:t>
+            </a:r>
+          </a:p>
+        </p:txBody>
+      </p:sp>
+    </p:spTree>
+    <p:extLst>
+      <p:ext uri="{BB962C8B-B14F-4D97-AF65-F5344CB8AC3E}">
+        <p14:creationId xmlns:p14="http://schemas.microsoft.com/office/powerpoint/2010/main" val="1389643228"/>
+      </p:ext>
+    </p:extLst>
+  </p:cSld>
+  <p:clrMapOvr>
+    <a:masterClrMapping/>
+  </p:clrMapOvr>
+</p:sld>
+</file>
+
+<file path=ppt/slides/slide5.xml><?xml version="1.0" encoding="utf-8"?>
+<p:sld xmlns:a="http://schemas.openxmlformats.org/drawingml/2006/main" xmlns:r="http://schemas.openxmlformats.org/officeDocument/2006/relationships" xmlns:p="http://schemas.openxmlformats.org/presentationml/2006/main">
+  <p:cSld>
+    <p:spTree>
+      <p:nvGrpSpPr>
+        <p:cNvPr id="1" name=""/>
+        <p:cNvGrpSpPr/>
+        <p:nvPr/>
+      </p:nvGrpSpPr>
+      <p:grpSpPr>
+        <a:xfrm>
+          <a:off x="0" y="0"/>
+          <a:ext cx="0" cy="0"/>
+          <a:chOff x="0" y="0"/>
+          <a:chExt cx="0" cy="0"/>
+        </a:xfrm>
+      </p:grpSpPr>
+      <p:sp>
+        <p:nvSpPr>
+          <p:cNvPr id="2" name="Title 1">
+            <a:extLst>
+              <a:ext uri="{FF2B5EF4-FFF2-40B4-BE49-F238E27FC236}">
                 <a16:creationId xmlns:a16="http://schemas.microsoft.com/office/drawing/2014/main" id="{364E555A-2160-195D-7736-2BC1F3BD3E52}"/>
               </a:ext>
             </a:extLst>
@@ -8351,7 +8549,7 @@
             <a:pPr lvl="1"/>
             <a:r>
               <a:rPr lang="en-US" sz="2000" dirty="0"/>
-              <a:t>Results: Top-25 metric, the target image was found in the closest 25 images only in 14/1200 cases.</a:t>
+              <a:t>Results: Top-25 metric, the target image was found in the closest 25 images only in 1% cases.</a:t>
             </a:r>
           </a:p>
           <a:p>
@@ -8426,7 +8624,7 @@
 </p:sld>
 </file>
 
-<file path=ppt/slides/slide5.xml><?xml version="1.0" encoding="utf-8"?>
+<file path=ppt/slides/slide6.xml><?xml version="1.0" encoding="utf-8"?>
 <p:sld xmlns:a="http://schemas.openxmlformats.org/drawingml/2006/main" xmlns:r="http://schemas.openxmlformats.org/officeDocument/2006/relationships" xmlns:p="http://schemas.openxmlformats.org/presentationml/2006/main">
   <p:cSld>
     <p:spTree>
@@ -8494,7 +8692,7 @@
           <a:p>
             <a:r>
               <a:rPr lang="en-US" dirty="0"/>
-              <a:t>Pretrain using Barlow Twins Loss (similar to </a:t>
+              <a:t>Pretrain using Barlow Twins (similar to </a:t>
             </a:r>
             <a:r>
               <a:rPr lang="en-US" dirty="0" err="1"/>
@@ -8547,7 +8745,7 @@
 </p:sld>
 </file>
 
-<file path=ppt/slides/slide6.xml><?xml version="1.0" encoding="utf-8"?>
+<file path=ppt/slides/slide7.xml><?xml version="1.0" encoding="utf-8"?>
 <p:sld xmlns:a="http://schemas.openxmlformats.org/drawingml/2006/main" xmlns:r="http://schemas.openxmlformats.org/officeDocument/2006/relationships" xmlns:p="http://schemas.openxmlformats.org/presentationml/2006/main">
   <p:cSld>
     <p:spTree>
@@ -8653,161 +8851,6 @@
 </p:sld>
 </file>
 
-<file path=ppt/slides/slide7.xml><?xml version="1.0" encoding="utf-8"?>
-<p:sld xmlns:a="http://schemas.openxmlformats.org/drawingml/2006/main" xmlns:r="http://schemas.openxmlformats.org/officeDocument/2006/relationships" xmlns:p="http://schemas.openxmlformats.org/presentationml/2006/main">
-  <p:cSld>
-    <p:spTree>
-      <p:nvGrpSpPr>
-        <p:cNvPr id="1" name=""/>
-        <p:cNvGrpSpPr/>
-        <p:nvPr/>
-      </p:nvGrpSpPr>
-      <p:grpSpPr>
-        <a:xfrm>
-          <a:off x="0" y="0"/>
-          <a:ext cx="0" cy="0"/>
-          <a:chOff x="0" y="0"/>
-          <a:chExt cx="0" cy="0"/>
-        </a:xfrm>
-      </p:grpSpPr>
-      <p:sp>
-        <p:nvSpPr>
-          <p:cNvPr id="2" name="Title 1">
-            <a:extLst>
-              <a:ext uri="{FF2B5EF4-FFF2-40B4-BE49-F238E27FC236}">
-                <a16:creationId xmlns:a16="http://schemas.microsoft.com/office/drawing/2014/main" id="{E90BCE0B-6357-68C1-B6BC-3B9BBD6FE247}"/>
-              </a:ext>
-            </a:extLst>
-          </p:cNvPr>
-          <p:cNvSpPr>
-            <a:spLocks noGrp="1"/>
-          </p:cNvSpPr>
-          <p:nvPr>
-            <p:ph type="title"/>
-          </p:nvPr>
-        </p:nvSpPr>
-        <p:spPr/>
-        <p:txBody>
-          <a:bodyPr/>
-          <a:lstStyle/>
-          <a:p>
-            <a:r>
-              <a:rPr lang="en-US" dirty="0"/>
-              <a:t>Results</a:t>
-            </a:r>
-          </a:p>
-        </p:txBody>
-      </p:sp>
-      <p:sp>
-        <p:nvSpPr>
-          <p:cNvPr id="3" name="Content Placeholder 2">
-            <a:extLst>
-              <a:ext uri="{FF2B5EF4-FFF2-40B4-BE49-F238E27FC236}">
-                <a16:creationId xmlns:a16="http://schemas.microsoft.com/office/drawing/2014/main" id="{F8A99D99-D853-1EBF-3822-E18C494552D9}"/>
-              </a:ext>
-            </a:extLst>
-          </p:cNvPr>
-          <p:cNvSpPr>
-            <a:spLocks noGrp="1"/>
-          </p:cNvSpPr>
-          <p:nvPr>
-            <p:ph idx="1"/>
-          </p:nvPr>
-        </p:nvSpPr>
-        <p:spPr/>
-        <p:txBody>
-          <a:bodyPr>
-            <a:normAutofit lnSpcReduction="10000"/>
-          </a:bodyPr>
-          <a:lstStyle/>
-          <a:p>
-            <a:r>
-              <a:rPr lang="en-US" dirty="0"/>
-              <a:t>Only ~1200 images are not matched based on facial features (biased dataset)</a:t>
-            </a:r>
-          </a:p>
-          <a:p>
-            <a:r>
-              <a:rPr lang="en-US" dirty="0"/>
-              <a:t>Finetuned on 900 pairs of images</a:t>
-            </a:r>
-          </a:p>
-          <a:p>
-            <a:r>
-              <a:rPr lang="en-US" dirty="0"/>
-              <a:t>Used 300 pairs for validation</a:t>
-            </a:r>
-          </a:p>
-          <a:p>
-            <a:pPr lvl="1"/>
-            <a:r>
-              <a:rPr lang="en-US" dirty="0"/>
-              <a:t>Found 51/325 in the top-1</a:t>
-            </a:r>
-          </a:p>
-          <a:p>
-            <a:pPr lvl="1"/>
-            <a:r>
-              <a:rPr lang="en-US" dirty="0"/>
-              <a:t>Found 105/325 in the top-5</a:t>
-            </a:r>
-          </a:p>
-          <a:p>
-            <a:pPr lvl="1"/>
-            <a:r>
-              <a:rPr lang="en-US" dirty="0"/>
-              <a:t>Found 131/325 in the top-10</a:t>
-            </a:r>
-          </a:p>
-          <a:p>
-            <a:pPr lvl="1"/>
-            <a:r>
-              <a:rPr lang="en-US" dirty="0"/>
-              <a:t>Found 152/325 in the top-15</a:t>
-            </a:r>
-          </a:p>
-          <a:p>
-            <a:pPr lvl="1"/>
-            <a:r>
-              <a:rPr lang="en-US" dirty="0"/>
-              <a:t>Found 184/325 in the top-25</a:t>
-            </a:r>
-          </a:p>
-          <a:p>
-            <a:pPr lvl="1"/>
-            <a:r>
-              <a:rPr lang="en-US" dirty="0"/>
-              <a:t>Found 222/325 in the top-50</a:t>
-            </a:r>
-          </a:p>
-          <a:p>
-            <a:pPr lvl="1"/>
-            <a:r>
-              <a:rPr lang="en-US" dirty="0"/>
-              <a:t>Found 268/325 in the top-100</a:t>
-            </a:r>
-          </a:p>
-          <a:p>
-            <a:endParaRPr lang="en-US" dirty="0"/>
-          </a:p>
-          <a:p>
-            <a:endParaRPr lang="en-US" dirty="0"/>
-          </a:p>
-        </p:txBody>
-      </p:sp>
-    </p:spTree>
-    <p:extLst>
-      <p:ext uri="{BB962C8B-B14F-4D97-AF65-F5344CB8AC3E}">
-        <p14:creationId xmlns:p14="http://schemas.microsoft.com/office/powerpoint/2010/main" val="2245465029"/>
-      </p:ext>
-    </p:extLst>
-  </p:cSld>
-  <p:clrMapOvr>
-    <a:masterClrMapping/>
-  </p:clrMapOvr>
-</p:sld>
-</file>
-
 <file path=ppt/slides/slide8.xml><?xml version="1.0" encoding="utf-8"?>
 <p:sld xmlns:a="http://schemas.openxmlformats.org/drawingml/2006/main" xmlns:r="http://schemas.openxmlformats.org/officeDocument/2006/relationships" xmlns:p="http://schemas.openxmlformats.org/presentationml/2006/main">
   <p:cSld>
@@ -8830,6 +8873,138 @@
           <p:cNvPr id="2" name="Title 1">
             <a:extLst>
               <a:ext uri="{FF2B5EF4-FFF2-40B4-BE49-F238E27FC236}">
+                <a16:creationId xmlns:a16="http://schemas.microsoft.com/office/drawing/2014/main" id="{E90BCE0B-6357-68C1-B6BC-3B9BBD6FE247}"/>
+              </a:ext>
+            </a:extLst>
+          </p:cNvPr>
+          <p:cNvSpPr>
+            <a:spLocks noGrp="1"/>
+          </p:cNvSpPr>
+          <p:nvPr>
+            <p:ph type="title"/>
+          </p:nvPr>
+        </p:nvSpPr>
+        <p:spPr/>
+        <p:txBody>
+          <a:bodyPr/>
+          <a:lstStyle/>
+          <a:p>
+            <a:r>
+              <a:rPr lang="en-US" dirty="0"/>
+              <a:t>Results</a:t>
+            </a:r>
+          </a:p>
+        </p:txBody>
+      </p:sp>
+      <p:sp>
+        <p:nvSpPr>
+          <p:cNvPr id="3" name="Content Placeholder 2">
+            <a:extLst>
+              <a:ext uri="{FF2B5EF4-FFF2-40B4-BE49-F238E27FC236}">
+                <a16:creationId xmlns:a16="http://schemas.microsoft.com/office/drawing/2014/main" id="{F8A99D99-D853-1EBF-3822-E18C494552D9}"/>
+              </a:ext>
+            </a:extLst>
+          </p:cNvPr>
+          <p:cNvSpPr>
+            <a:spLocks noGrp="1"/>
+          </p:cNvSpPr>
+          <p:nvPr>
+            <p:ph idx="1"/>
+          </p:nvPr>
+        </p:nvSpPr>
+        <p:spPr/>
+        <p:txBody>
+          <a:bodyPr>
+            <a:normAutofit/>
+          </a:bodyPr>
+          <a:lstStyle/>
+          <a:p>
+            <a:r>
+              <a:rPr lang="en-US" dirty="0"/>
+              <a:t>Finetuned on 900 pairs of images</a:t>
+            </a:r>
+          </a:p>
+          <a:p>
+            <a:r>
+              <a:rPr lang="en-US" dirty="0"/>
+              <a:t>Used 325 pairs for validation</a:t>
+            </a:r>
+          </a:p>
+          <a:p>
+            <a:pPr lvl="1"/>
+            <a:r>
+              <a:rPr lang="en-US" dirty="0"/>
+              <a:t>Found 51/325 in the top-1: 15.7%</a:t>
+            </a:r>
+          </a:p>
+          <a:p>
+            <a:pPr lvl="1"/>
+            <a:r>
+              <a:rPr lang="en-US" dirty="0"/>
+              <a:t>Found 105/325 in the top-5: 32.3%</a:t>
+            </a:r>
+          </a:p>
+          <a:p>
+            <a:pPr lvl="1"/>
+            <a:r>
+              <a:rPr lang="en-US" dirty="0"/>
+              <a:t>Found 131/325 in the top-10: 40.3%</a:t>
+            </a:r>
+          </a:p>
+          <a:p>
+            <a:pPr lvl="1"/>
+            <a:r>
+              <a:rPr lang="en-US" dirty="0"/>
+              <a:t>Found 152/325 in the top-15: 46.7%</a:t>
+            </a:r>
+          </a:p>
+          <a:p>
+            <a:pPr lvl="1"/>
+            <a:r>
+              <a:rPr lang="en-US" dirty="0"/>
+              <a:t>Found 184/325 in the top-25: 56.6%</a:t>
+            </a:r>
+          </a:p>
+          <a:p>
+            <a:endParaRPr lang="en-US" dirty="0"/>
+          </a:p>
+        </p:txBody>
+      </p:sp>
+    </p:spTree>
+    <p:extLst>
+      <p:ext uri="{BB962C8B-B14F-4D97-AF65-F5344CB8AC3E}">
+        <p14:creationId xmlns:p14="http://schemas.microsoft.com/office/powerpoint/2010/main" val="2245465029"/>
+      </p:ext>
+    </p:extLst>
+  </p:cSld>
+  <p:clrMapOvr>
+    <a:masterClrMapping/>
+  </p:clrMapOvr>
+</p:sld>
+</file>
+
+<file path=ppt/slides/slide9.xml><?xml version="1.0" encoding="utf-8"?>
+<p:sld xmlns:a="http://schemas.openxmlformats.org/drawingml/2006/main" xmlns:r="http://schemas.openxmlformats.org/officeDocument/2006/relationships" xmlns:p="http://schemas.openxmlformats.org/presentationml/2006/main">
+  <p:cSld>
+    <p:spTree>
+      <p:nvGrpSpPr>
+        <p:cNvPr id="1" name=""/>
+        <p:cNvGrpSpPr/>
+        <p:nvPr/>
+      </p:nvGrpSpPr>
+      <p:grpSpPr>
+        <a:xfrm>
+          <a:off x="0" y="0"/>
+          <a:ext cx="0" cy="0"/>
+          <a:chOff x="0" y="0"/>
+          <a:chExt cx="0" cy="0"/>
+        </a:xfrm>
+      </p:grpSpPr>
+      <p:sp>
+        <p:nvSpPr>
+          <p:cNvPr id="2" name="Title 1">
+            <a:extLst>
+              <a:ext uri="{FF2B5EF4-FFF2-40B4-BE49-F238E27FC236}">
                 <a16:creationId xmlns:a16="http://schemas.microsoft.com/office/drawing/2014/main" id="{76048320-A2E0-0B71-3DE3-AB5B0958AE4A}"/>
               </a:ext>
             </a:extLst>
@@ -8848,12 +9023,14 @@
           </a:xfrm>
         </p:spPr>
         <p:txBody>
-          <a:bodyPr/>
+          <a:bodyPr>
+            <a:normAutofit fontScale="90000"/>
+          </a:bodyPr>
           <a:lstStyle/>
           <a:p>
             <a:r>
               <a:rPr lang="en-US" dirty="0"/>
-              <a:t>Barlow Twins vs ImageNet pretraining</a:t>
+              <a:t>Barlow Twins vs Classification pretraining</a:t>
             </a:r>
           </a:p>
         </p:txBody>
@@ -8933,106 +9110,6 @@
     <p:extLst>
       <p:ext uri="{BB962C8B-B14F-4D97-AF65-F5344CB8AC3E}">
         <p14:creationId xmlns:p14="http://schemas.microsoft.com/office/powerpoint/2010/main" val="3143300651"/>
-      </p:ext>
-    </p:extLst>
-  </p:cSld>
-  <p:clrMapOvr>
-    <a:masterClrMapping/>
-  </p:clrMapOvr>
-</p:sld>
-</file>
-
-<file path=ppt/slides/slide9.xml><?xml version="1.0" encoding="utf-8"?>
-<p:sld xmlns:a="http://schemas.openxmlformats.org/drawingml/2006/main" xmlns:r="http://schemas.openxmlformats.org/officeDocument/2006/relationships" xmlns:p="http://schemas.openxmlformats.org/presentationml/2006/main">
-  <p:cSld>
-    <p:spTree>
-      <p:nvGrpSpPr>
-        <p:cNvPr id="1" name=""/>
-        <p:cNvGrpSpPr/>
-        <p:nvPr/>
-      </p:nvGrpSpPr>
-      <p:grpSpPr>
-        <a:xfrm>
-          <a:off x="0" y="0"/>
-          <a:ext cx="0" cy="0"/>
-          <a:chOff x="0" y="0"/>
-          <a:chExt cx="0" cy="0"/>
-        </a:xfrm>
-      </p:grpSpPr>
-      <p:sp>
-        <p:nvSpPr>
-          <p:cNvPr id="2" name="Title 1">
-            <a:extLst>
-              <a:ext uri="{FF2B5EF4-FFF2-40B4-BE49-F238E27FC236}">
-                <a16:creationId xmlns:a16="http://schemas.microsoft.com/office/drawing/2014/main" id="{6E6D11D7-1E39-D474-9305-66B2416152F4}"/>
-              </a:ext>
-            </a:extLst>
-          </p:cNvPr>
-          <p:cNvSpPr>
-            <a:spLocks noGrp="1"/>
-          </p:cNvSpPr>
-          <p:nvPr>
-            <p:ph type="title"/>
-          </p:nvPr>
-        </p:nvSpPr>
-        <p:spPr/>
-        <p:txBody>
-          <a:bodyPr/>
-          <a:lstStyle/>
-          <a:p>
-            <a:r>
-              <a:rPr lang="en-US" dirty="0"/>
-              <a:t>Conclusion</a:t>
-            </a:r>
-          </a:p>
-        </p:txBody>
-      </p:sp>
-      <p:sp>
-        <p:nvSpPr>
-          <p:cNvPr id="3" name="Content Placeholder 2">
-            <a:extLst>
-              <a:ext uri="{FF2B5EF4-FFF2-40B4-BE49-F238E27FC236}">
-                <a16:creationId xmlns:a16="http://schemas.microsoft.com/office/drawing/2014/main" id="{717ED00C-61E9-19B4-084F-BA577FD519DB}"/>
-              </a:ext>
-            </a:extLst>
-          </p:cNvPr>
-          <p:cNvSpPr>
-            <a:spLocks noGrp="1"/>
-          </p:cNvSpPr>
-          <p:nvPr>
-            <p:ph idx="1"/>
-          </p:nvPr>
-        </p:nvSpPr>
-        <p:spPr/>
-        <p:txBody>
-          <a:bodyPr/>
-          <a:lstStyle/>
-          <a:p>
-            <a:r>
-              <a:rPr lang="en-US" b="0" i="0" dirty="0">
-                <a:solidFill>
-                  <a:schemeClr val="tx1"/>
-                </a:solidFill>
-                <a:effectLst/>
-                <a:latin typeface="Söhne"/>
-              </a:rPr>
-              <a:t>Our results suggest that pretraining Siamese networks using contrastive learning, such as the Barlow Twins Loss, may be a promising approach for image similarity tasks.</a:t>
-            </a:r>
-            <a:endParaRPr lang="en-US" dirty="0">
-              <a:solidFill>
-                <a:schemeClr val="tx1"/>
-              </a:solidFill>
-            </a:endParaRPr>
-          </a:p>
-          <a:p>
-            <a:endParaRPr lang="en-US" dirty="0"/>
-          </a:p>
-        </p:txBody>
-      </p:sp>
-    </p:spTree>
-    <p:extLst>
-      <p:ext uri="{BB962C8B-B14F-4D97-AF65-F5344CB8AC3E}">
-        <p14:creationId xmlns:p14="http://schemas.microsoft.com/office/powerpoint/2010/main" val="1298008152"/>
       </p:ext>
     </p:extLst>
   </p:cSld>
